--- a/ppt 16-9/0501.为国求福.pptx
+++ b/ppt 16-9/0501.为国求福.pptx
@@ -129,7 +129,7 @@
           <p:cNvPr id="2" name="标题 1">
             <a:extLst>
               <a:ext uri="{FF2B5EF4-FFF2-40B4-BE49-F238E27FC236}">
-                <a16:creationId xmlns:a16="http://schemas.microsoft.com/office/drawing/2014/main" id="{8E0060A3-769E-9113-1F51-C81DFE2CEADB}"/>
+                <a16:creationId xmlns:a16="http://schemas.microsoft.com/office/drawing/2014/main" id="{C1E6327C-68DF-0F21-4A25-700C2859B215}"/>
               </a:ext>
             </a:extLst>
           </p:cNvPr>
@@ -166,7 +166,7 @@
           <p:cNvPr id="3" name="副标题 2">
             <a:extLst>
               <a:ext uri="{FF2B5EF4-FFF2-40B4-BE49-F238E27FC236}">
-                <a16:creationId xmlns:a16="http://schemas.microsoft.com/office/drawing/2014/main" id="{720C92A5-EBB0-D1A8-83A8-66BAFCEAE0D5}"/>
+                <a16:creationId xmlns:a16="http://schemas.microsoft.com/office/drawing/2014/main" id="{5AF311E4-80BC-52AB-4B6B-A534E1983226}"/>
               </a:ext>
             </a:extLst>
           </p:cNvPr>
@@ -236,7 +236,7 @@
           <p:cNvPr id="4" name="日期占位符 3">
             <a:extLst>
               <a:ext uri="{FF2B5EF4-FFF2-40B4-BE49-F238E27FC236}">
-                <a16:creationId xmlns:a16="http://schemas.microsoft.com/office/drawing/2014/main" id="{CCA091FC-E7BF-FE75-E0F5-36CB7E3D90CD}"/>
+                <a16:creationId xmlns:a16="http://schemas.microsoft.com/office/drawing/2014/main" id="{81009FE5-3163-DE74-CF6C-C667AD373952}"/>
               </a:ext>
             </a:extLst>
           </p:cNvPr>
@@ -252,7 +252,7 @@
           <a:bodyPr/>
           <a:lstStyle/>
           <a:p>
-            <a:fld id="{75310CB0-4F08-49FC-9EFA-85D1D75917F6}" type="datetimeFigureOut">
+            <a:fld id="{2CA7671F-2BAE-4D44-A692-071858C457CA}" type="datetimeFigureOut">
               <a:rPr lang="zh-CN" altLang="en-US" smtClean="0"/>
               <a:t>2024/3/10</a:t>
             </a:fld>
@@ -265,7 +265,7 @@
           <p:cNvPr id="5" name="页脚占位符 4">
             <a:extLst>
               <a:ext uri="{FF2B5EF4-FFF2-40B4-BE49-F238E27FC236}">
-                <a16:creationId xmlns:a16="http://schemas.microsoft.com/office/drawing/2014/main" id="{B4B1EC22-7920-B1BD-176F-454A657F8056}"/>
+                <a16:creationId xmlns:a16="http://schemas.microsoft.com/office/drawing/2014/main" id="{42A5347C-33B4-03CF-7934-33B9EA03967D}"/>
               </a:ext>
             </a:extLst>
           </p:cNvPr>
@@ -290,7 +290,7 @@
           <p:cNvPr id="6" name="灯片编号占位符 5">
             <a:extLst>
               <a:ext uri="{FF2B5EF4-FFF2-40B4-BE49-F238E27FC236}">
-                <a16:creationId xmlns:a16="http://schemas.microsoft.com/office/drawing/2014/main" id="{5A3D2A20-73DC-0EB8-DC5A-37E266014E11}"/>
+                <a16:creationId xmlns:a16="http://schemas.microsoft.com/office/drawing/2014/main" id="{50177CBD-66FC-B47C-3CF0-0B087CEC89A6}"/>
               </a:ext>
             </a:extLst>
           </p:cNvPr>
@@ -306,7 +306,7 @@
           <a:bodyPr/>
           <a:lstStyle/>
           <a:p>
-            <a:fld id="{76903D96-778B-48C7-82E3-668EDC825363}" type="slidenum">
+            <a:fld id="{AB9EA58D-73E0-4488-9C82-0909F38A49D8}" type="slidenum">
               <a:rPr lang="zh-CN" altLang="en-US" smtClean="0"/>
               <a:t>‹#›</a:t>
             </a:fld>
@@ -317,7 +317,7 @@
     </p:spTree>
     <p:extLst>
       <p:ext uri="{BB962C8B-B14F-4D97-AF65-F5344CB8AC3E}">
-        <p14:creationId xmlns:p14="http://schemas.microsoft.com/office/powerpoint/2010/main" val="103564576"/>
+        <p14:creationId xmlns:p14="http://schemas.microsoft.com/office/powerpoint/2010/main" val="2564023002"/>
       </p:ext>
     </p:extLst>
   </p:cSld>
@@ -349,7 +349,7 @@
           <p:cNvPr id="2" name="标题 1">
             <a:extLst>
               <a:ext uri="{FF2B5EF4-FFF2-40B4-BE49-F238E27FC236}">
-                <a16:creationId xmlns:a16="http://schemas.microsoft.com/office/drawing/2014/main" id="{CBBFB013-8358-8B21-208A-F63B6EF46C25}"/>
+                <a16:creationId xmlns:a16="http://schemas.microsoft.com/office/drawing/2014/main" id="{16F0653C-CF88-A064-4AE0-6E5C674BA449}"/>
               </a:ext>
             </a:extLst>
           </p:cNvPr>
@@ -377,7 +377,7 @@
           <p:cNvPr id="3" name="竖排文字占位符 2">
             <a:extLst>
               <a:ext uri="{FF2B5EF4-FFF2-40B4-BE49-F238E27FC236}">
-                <a16:creationId xmlns:a16="http://schemas.microsoft.com/office/drawing/2014/main" id="{CDDA8755-37B3-4F6A-00FA-D8191BEFF2A0}"/>
+                <a16:creationId xmlns:a16="http://schemas.microsoft.com/office/drawing/2014/main" id="{B6411161-D6F2-B7E9-4294-BEF3F042DFDA}"/>
               </a:ext>
             </a:extLst>
           </p:cNvPr>
@@ -434,7 +434,7 @@
           <p:cNvPr id="4" name="日期占位符 3">
             <a:extLst>
               <a:ext uri="{FF2B5EF4-FFF2-40B4-BE49-F238E27FC236}">
-                <a16:creationId xmlns:a16="http://schemas.microsoft.com/office/drawing/2014/main" id="{FCBD49C9-0638-A99F-05D7-AE76A82A3E2A}"/>
+                <a16:creationId xmlns:a16="http://schemas.microsoft.com/office/drawing/2014/main" id="{814303F5-3619-A09E-1981-4D32AF3CFB5C}"/>
               </a:ext>
             </a:extLst>
           </p:cNvPr>
@@ -450,7 +450,7 @@
           <a:bodyPr/>
           <a:lstStyle/>
           <a:p>
-            <a:fld id="{75310CB0-4F08-49FC-9EFA-85D1D75917F6}" type="datetimeFigureOut">
+            <a:fld id="{2CA7671F-2BAE-4D44-A692-071858C457CA}" type="datetimeFigureOut">
               <a:rPr lang="zh-CN" altLang="en-US" smtClean="0"/>
               <a:t>2024/3/10</a:t>
             </a:fld>
@@ -463,7 +463,7 @@
           <p:cNvPr id="5" name="页脚占位符 4">
             <a:extLst>
               <a:ext uri="{FF2B5EF4-FFF2-40B4-BE49-F238E27FC236}">
-                <a16:creationId xmlns:a16="http://schemas.microsoft.com/office/drawing/2014/main" id="{E0F9ACA2-6101-5253-9756-28A91709A97B}"/>
+                <a16:creationId xmlns:a16="http://schemas.microsoft.com/office/drawing/2014/main" id="{393CF06A-5137-5D56-C1E6-15A522AAE190}"/>
               </a:ext>
             </a:extLst>
           </p:cNvPr>
@@ -488,7 +488,7 @@
           <p:cNvPr id="6" name="灯片编号占位符 5">
             <a:extLst>
               <a:ext uri="{FF2B5EF4-FFF2-40B4-BE49-F238E27FC236}">
-                <a16:creationId xmlns:a16="http://schemas.microsoft.com/office/drawing/2014/main" id="{1521AA78-46DA-F9B8-1F5B-00C1EC84D665}"/>
+                <a16:creationId xmlns:a16="http://schemas.microsoft.com/office/drawing/2014/main" id="{1DAE1883-0B7B-D936-3602-59571BFC4892}"/>
               </a:ext>
             </a:extLst>
           </p:cNvPr>
@@ -504,7 +504,7 @@
           <a:bodyPr/>
           <a:lstStyle/>
           <a:p>
-            <a:fld id="{76903D96-778B-48C7-82E3-668EDC825363}" type="slidenum">
+            <a:fld id="{AB9EA58D-73E0-4488-9C82-0909F38A49D8}" type="slidenum">
               <a:rPr lang="zh-CN" altLang="en-US" smtClean="0"/>
               <a:t>‹#›</a:t>
             </a:fld>
@@ -515,7 +515,7 @@
     </p:spTree>
     <p:extLst>
       <p:ext uri="{BB962C8B-B14F-4D97-AF65-F5344CB8AC3E}">
-        <p14:creationId xmlns:p14="http://schemas.microsoft.com/office/powerpoint/2010/main" val="2968283881"/>
+        <p14:creationId xmlns:p14="http://schemas.microsoft.com/office/powerpoint/2010/main" val="2323808375"/>
       </p:ext>
     </p:extLst>
   </p:cSld>
@@ -547,7 +547,7 @@
           <p:cNvPr id="2" name="竖排标题 1">
             <a:extLst>
               <a:ext uri="{FF2B5EF4-FFF2-40B4-BE49-F238E27FC236}">
-                <a16:creationId xmlns:a16="http://schemas.microsoft.com/office/drawing/2014/main" id="{3C423334-1D8F-8FF3-313E-3DBE5E405308}"/>
+                <a16:creationId xmlns:a16="http://schemas.microsoft.com/office/drawing/2014/main" id="{7AD2833B-675A-0992-CD25-3EFFD59E8D3D}"/>
               </a:ext>
             </a:extLst>
           </p:cNvPr>
@@ -580,7 +580,7 @@
           <p:cNvPr id="3" name="竖排文字占位符 2">
             <a:extLst>
               <a:ext uri="{FF2B5EF4-FFF2-40B4-BE49-F238E27FC236}">
-                <a16:creationId xmlns:a16="http://schemas.microsoft.com/office/drawing/2014/main" id="{91AB09B6-0EA6-F035-2A0E-0F8273C5E249}"/>
+                <a16:creationId xmlns:a16="http://schemas.microsoft.com/office/drawing/2014/main" id="{BCB2646F-0F98-5A20-7654-4E442D2BB2B6}"/>
               </a:ext>
             </a:extLst>
           </p:cNvPr>
@@ -642,7 +642,7 @@
           <p:cNvPr id="4" name="日期占位符 3">
             <a:extLst>
               <a:ext uri="{FF2B5EF4-FFF2-40B4-BE49-F238E27FC236}">
-                <a16:creationId xmlns:a16="http://schemas.microsoft.com/office/drawing/2014/main" id="{4415A78E-5C07-3AB8-58EF-F77385F392E7}"/>
+                <a16:creationId xmlns:a16="http://schemas.microsoft.com/office/drawing/2014/main" id="{D12CC193-773A-10D3-3429-ABFA3363CD8C}"/>
               </a:ext>
             </a:extLst>
           </p:cNvPr>
@@ -658,7 +658,7 @@
           <a:bodyPr/>
           <a:lstStyle/>
           <a:p>
-            <a:fld id="{75310CB0-4F08-49FC-9EFA-85D1D75917F6}" type="datetimeFigureOut">
+            <a:fld id="{2CA7671F-2BAE-4D44-A692-071858C457CA}" type="datetimeFigureOut">
               <a:rPr lang="zh-CN" altLang="en-US" smtClean="0"/>
               <a:t>2024/3/10</a:t>
             </a:fld>
@@ -671,7 +671,7 @@
           <p:cNvPr id="5" name="页脚占位符 4">
             <a:extLst>
               <a:ext uri="{FF2B5EF4-FFF2-40B4-BE49-F238E27FC236}">
-                <a16:creationId xmlns:a16="http://schemas.microsoft.com/office/drawing/2014/main" id="{C9A11D6B-EB3A-31B9-56F4-E875FC3D311E}"/>
+                <a16:creationId xmlns:a16="http://schemas.microsoft.com/office/drawing/2014/main" id="{AEAB5896-F16F-33AB-C67C-3BD6E9B07646}"/>
               </a:ext>
             </a:extLst>
           </p:cNvPr>
@@ -696,7 +696,7 @@
           <p:cNvPr id="6" name="灯片编号占位符 5">
             <a:extLst>
               <a:ext uri="{FF2B5EF4-FFF2-40B4-BE49-F238E27FC236}">
-                <a16:creationId xmlns:a16="http://schemas.microsoft.com/office/drawing/2014/main" id="{C8A25518-B96E-6A0B-0491-A51AEBE40380}"/>
+                <a16:creationId xmlns:a16="http://schemas.microsoft.com/office/drawing/2014/main" id="{FCE4AFC2-BAF8-62B7-F37F-2D786B7BDEDC}"/>
               </a:ext>
             </a:extLst>
           </p:cNvPr>
@@ -712,7 +712,7 @@
           <a:bodyPr/>
           <a:lstStyle/>
           <a:p>
-            <a:fld id="{76903D96-778B-48C7-82E3-668EDC825363}" type="slidenum">
+            <a:fld id="{AB9EA58D-73E0-4488-9C82-0909F38A49D8}" type="slidenum">
               <a:rPr lang="zh-CN" altLang="en-US" smtClean="0"/>
               <a:t>‹#›</a:t>
             </a:fld>
@@ -723,7 +723,7 @@
     </p:spTree>
     <p:extLst>
       <p:ext uri="{BB962C8B-B14F-4D97-AF65-F5344CB8AC3E}">
-        <p14:creationId xmlns:p14="http://schemas.microsoft.com/office/powerpoint/2010/main" val="1429602466"/>
+        <p14:creationId xmlns:p14="http://schemas.microsoft.com/office/powerpoint/2010/main" val="3586497202"/>
       </p:ext>
     </p:extLst>
   </p:cSld>
@@ -755,7 +755,7 @@
           <p:cNvPr id="2" name="标题 1">
             <a:extLst>
               <a:ext uri="{FF2B5EF4-FFF2-40B4-BE49-F238E27FC236}">
-                <a16:creationId xmlns:a16="http://schemas.microsoft.com/office/drawing/2014/main" id="{A9683CD9-19E5-05DC-821A-F8C693B671EB}"/>
+                <a16:creationId xmlns:a16="http://schemas.microsoft.com/office/drawing/2014/main" id="{3984CC8F-B301-5FC5-E652-B386B6CDE5BC}"/>
               </a:ext>
             </a:extLst>
           </p:cNvPr>
@@ -783,7 +783,7 @@
           <p:cNvPr id="3" name="内容占位符 2">
             <a:extLst>
               <a:ext uri="{FF2B5EF4-FFF2-40B4-BE49-F238E27FC236}">
-                <a16:creationId xmlns:a16="http://schemas.microsoft.com/office/drawing/2014/main" id="{5A25B50C-340D-FC2E-D63F-15C51ACB6382}"/>
+                <a16:creationId xmlns:a16="http://schemas.microsoft.com/office/drawing/2014/main" id="{2AAB026F-531F-0254-C0BE-9F8569DB7533}"/>
               </a:ext>
             </a:extLst>
           </p:cNvPr>
@@ -840,7 +840,7 @@
           <p:cNvPr id="4" name="日期占位符 3">
             <a:extLst>
               <a:ext uri="{FF2B5EF4-FFF2-40B4-BE49-F238E27FC236}">
-                <a16:creationId xmlns:a16="http://schemas.microsoft.com/office/drawing/2014/main" id="{A82C4614-E372-5F19-8E8B-7BD81FFFE752}"/>
+                <a16:creationId xmlns:a16="http://schemas.microsoft.com/office/drawing/2014/main" id="{525907BA-42E0-7DDA-03FE-DA2806D9D3CB}"/>
               </a:ext>
             </a:extLst>
           </p:cNvPr>
@@ -856,7 +856,7 @@
           <a:bodyPr/>
           <a:lstStyle/>
           <a:p>
-            <a:fld id="{75310CB0-4F08-49FC-9EFA-85D1D75917F6}" type="datetimeFigureOut">
+            <a:fld id="{2CA7671F-2BAE-4D44-A692-071858C457CA}" type="datetimeFigureOut">
               <a:rPr lang="zh-CN" altLang="en-US" smtClean="0"/>
               <a:t>2024/3/10</a:t>
             </a:fld>
@@ -869,7 +869,7 @@
           <p:cNvPr id="5" name="页脚占位符 4">
             <a:extLst>
               <a:ext uri="{FF2B5EF4-FFF2-40B4-BE49-F238E27FC236}">
-                <a16:creationId xmlns:a16="http://schemas.microsoft.com/office/drawing/2014/main" id="{1DBD403C-DF78-35AC-6C17-79F8640AD6BC}"/>
+                <a16:creationId xmlns:a16="http://schemas.microsoft.com/office/drawing/2014/main" id="{15596147-0D43-DAEC-4ACE-5C39A46F8343}"/>
               </a:ext>
             </a:extLst>
           </p:cNvPr>
@@ -894,7 +894,7 @@
           <p:cNvPr id="6" name="灯片编号占位符 5">
             <a:extLst>
               <a:ext uri="{FF2B5EF4-FFF2-40B4-BE49-F238E27FC236}">
-                <a16:creationId xmlns:a16="http://schemas.microsoft.com/office/drawing/2014/main" id="{0F96B298-729C-5CB7-02FF-F7D22034914C}"/>
+                <a16:creationId xmlns:a16="http://schemas.microsoft.com/office/drawing/2014/main" id="{932669DA-EB85-3EC7-F8E5-1CFF999D40D8}"/>
               </a:ext>
             </a:extLst>
           </p:cNvPr>
@@ -910,7 +910,7 @@
           <a:bodyPr/>
           <a:lstStyle/>
           <a:p>
-            <a:fld id="{76903D96-778B-48C7-82E3-668EDC825363}" type="slidenum">
+            <a:fld id="{AB9EA58D-73E0-4488-9C82-0909F38A49D8}" type="slidenum">
               <a:rPr lang="zh-CN" altLang="en-US" smtClean="0"/>
               <a:t>‹#›</a:t>
             </a:fld>
@@ -921,7 +921,7 @@
     </p:spTree>
     <p:extLst>
       <p:ext uri="{BB962C8B-B14F-4D97-AF65-F5344CB8AC3E}">
-        <p14:creationId xmlns:p14="http://schemas.microsoft.com/office/powerpoint/2010/main" val="1348918051"/>
+        <p14:creationId xmlns:p14="http://schemas.microsoft.com/office/powerpoint/2010/main" val="652811248"/>
       </p:ext>
     </p:extLst>
   </p:cSld>
@@ -953,7 +953,7 @@
           <p:cNvPr id="2" name="标题 1">
             <a:extLst>
               <a:ext uri="{FF2B5EF4-FFF2-40B4-BE49-F238E27FC236}">
-                <a16:creationId xmlns:a16="http://schemas.microsoft.com/office/drawing/2014/main" id="{EB84E9A1-E7F0-8D43-145F-7E8EEE1DFF00}"/>
+                <a16:creationId xmlns:a16="http://schemas.microsoft.com/office/drawing/2014/main" id="{4FD83308-CC45-5775-70D6-30ED4998E9FC}"/>
               </a:ext>
             </a:extLst>
           </p:cNvPr>
@@ -990,7 +990,7 @@
           <p:cNvPr id="3" name="文本占位符 2">
             <a:extLst>
               <a:ext uri="{FF2B5EF4-FFF2-40B4-BE49-F238E27FC236}">
-                <a16:creationId xmlns:a16="http://schemas.microsoft.com/office/drawing/2014/main" id="{0ED4DA83-6D48-D9C0-21E5-58A6FD629C45}"/>
+                <a16:creationId xmlns:a16="http://schemas.microsoft.com/office/drawing/2014/main" id="{6B6FCE0C-A6C3-1F44-2F70-995EE1E47D01}"/>
               </a:ext>
             </a:extLst>
           </p:cNvPr>
@@ -1115,7 +1115,7 @@
           <p:cNvPr id="4" name="日期占位符 3">
             <a:extLst>
               <a:ext uri="{FF2B5EF4-FFF2-40B4-BE49-F238E27FC236}">
-                <a16:creationId xmlns:a16="http://schemas.microsoft.com/office/drawing/2014/main" id="{9FFE6B96-238A-3C52-1FD6-14E4FA8B8236}"/>
+                <a16:creationId xmlns:a16="http://schemas.microsoft.com/office/drawing/2014/main" id="{F5222806-1822-826F-900B-D42F67BB4C22}"/>
               </a:ext>
             </a:extLst>
           </p:cNvPr>
@@ -1131,7 +1131,7 @@
           <a:bodyPr/>
           <a:lstStyle/>
           <a:p>
-            <a:fld id="{75310CB0-4F08-49FC-9EFA-85D1D75917F6}" type="datetimeFigureOut">
+            <a:fld id="{2CA7671F-2BAE-4D44-A692-071858C457CA}" type="datetimeFigureOut">
               <a:rPr lang="zh-CN" altLang="en-US" smtClean="0"/>
               <a:t>2024/3/10</a:t>
             </a:fld>
@@ -1144,7 +1144,7 @@
           <p:cNvPr id="5" name="页脚占位符 4">
             <a:extLst>
               <a:ext uri="{FF2B5EF4-FFF2-40B4-BE49-F238E27FC236}">
-                <a16:creationId xmlns:a16="http://schemas.microsoft.com/office/drawing/2014/main" id="{753A71C9-0636-6D6D-929C-BCCE04787F3D}"/>
+                <a16:creationId xmlns:a16="http://schemas.microsoft.com/office/drawing/2014/main" id="{F1CBD958-EDEE-BA18-8CA3-F987675AE3A1}"/>
               </a:ext>
             </a:extLst>
           </p:cNvPr>
@@ -1169,7 +1169,7 @@
           <p:cNvPr id="6" name="灯片编号占位符 5">
             <a:extLst>
               <a:ext uri="{FF2B5EF4-FFF2-40B4-BE49-F238E27FC236}">
-                <a16:creationId xmlns:a16="http://schemas.microsoft.com/office/drawing/2014/main" id="{99065C8B-CDEB-276C-9B0D-7F5CDAB32A97}"/>
+                <a16:creationId xmlns:a16="http://schemas.microsoft.com/office/drawing/2014/main" id="{0CB5F853-3DEB-B991-DBA4-48FE3B504295}"/>
               </a:ext>
             </a:extLst>
           </p:cNvPr>
@@ -1185,7 +1185,7 @@
           <a:bodyPr/>
           <a:lstStyle/>
           <a:p>
-            <a:fld id="{76903D96-778B-48C7-82E3-668EDC825363}" type="slidenum">
+            <a:fld id="{AB9EA58D-73E0-4488-9C82-0909F38A49D8}" type="slidenum">
               <a:rPr lang="zh-CN" altLang="en-US" smtClean="0"/>
               <a:t>‹#›</a:t>
             </a:fld>
@@ -1196,7 +1196,7 @@
     </p:spTree>
     <p:extLst>
       <p:ext uri="{BB962C8B-B14F-4D97-AF65-F5344CB8AC3E}">
-        <p14:creationId xmlns:p14="http://schemas.microsoft.com/office/powerpoint/2010/main" val="4231292498"/>
+        <p14:creationId xmlns:p14="http://schemas.microsoft.com/office/powerpoint/2010/main" val="1838244828"/>
       </p:ext>
     </p:extLst>
   </p:cSld>
@@ -1228,7 +1228,7 @@
           <p:cNvPr id="2" name="标题 1">
             <a:extLst>
               <a:ext uri="{FF2B5EF4-FFF2-40B4-BE49-F238E27FC236}">
-                <a16:creationId xmlns:a16="http://schemas.microsoft.com/office/drawing/2014/main" id="{FBBBD20A-73CA-450A-21C9-05AA539A9AAC}"/>
+                <a16:creationId xmlns:a16="http://schemas.microsoft.com/office/drawing/2014/main" id="{B641A864-636A-C895-1B4A-6FEE3020E350}"/>
               </a:ext>
             </a:extLst>
           </p:cNvPr>
@@ -1256,7 +1256,7 @@
           <p:cNvPr id="3" name="内容占位符 2">
             <a:extLst>
               <a:ext uri="{FF2B5EF4-FFF2-40B4-BE49-F238E27FC236}">
-                <a16:creationId xmlns:a16="http://schemas.microsoft.com/office/drawing/2014/main" id="{8590FD41-3B0F-AC6D-298C-EF9EFE1C8E3D}"/>
+                <a16:creationId xmlns:a16="http://schemas.microsoft.com/office/drawing/2014/main" id="{101E516C-4650-7B56-343D-2E960C5315CD}"/>
               </a:ext>
             </a:extLst>
           </p:cNvPr>
@@ -1318,7 +1318,7 @@
           <p:cNvPr id="4" name="内容占位符 3">
             <a:extLst>
               <a:ext uri="{FF2B5EF4-FFF2-40B4-BE49-F238E27FC236}">
-                <a16:creationId xmlns:a16="http://schemas.microsoft.com/office/drawing/2014/main" id="{6717DBE1-453A-1ADD-CB39-E222560791D4}"/>
+                <a16:creationId xmlns:a16="http://schemas.microsoft.com/office/drawing/2014/main" id="{B405DE21-C98A-CC06-5A37-381C7052DDCF}"/>
               </a:ext>
             </a:extLst>
           </p:cNvPr>
@@ -1380,7 +1380,7 @@
           <p:cNvPr id="5" name="日期占位符 4">
             <a:extLst>
               <a:ext uri="{FF2B5EF4-FFF2-40B4-BE49-F238E27FC236}">
-                <a16:creationId xmlns:a16="http://schemas.microsoft.com/office/drawing/2014/main" id="{203FF77C-3488-C3C9-6CF8-AC6C27CAA798}"/>
+                <a16:creationId xmlns:a16="http://schemas.microsoft.com/office/drawing/2014/main" id="{A00C10AB-F5AB-7290-89C1-100E780189C9}"/>
               </a:ext>
             </a:extLst>
           </p:cNvPr>
@@ -1396,7 +1396,7 @@
           <a:bodyPr/>
           <a:lstStyle/>
           <a:p>
-            <a:fld id="{75310CB0-4F08-49FC-9EFA-85D1D75917F6}" type="datetimeFigureOut">
+            <a:fld id="{2CA7671F-2BAE-4D44-A692-071858C457CA}" type="datetimeFigureOut">
               <a:rPr lang="zh-CN" altLang="en-US" smtClean="0"/>
               <a:t>2024/3/10</a:t>
             </a:fld>
@@ -1409,7 +1409,7 @@
           <p:cNvPr id="6" name="页脚占位符 5">
             <a:extLst>
               <a:ext uri="{FF2B5EF4-FFF2-40B4-BE49-F238E27FC236}">
-                <a16:creationId xmlns:a16="http://schemas.microsoft.com/office/drawing/2014/main" id="{47AD7E8A-F85C-3040-3BF8-88D8881C4024}"/>
+                <a16:creationId xmlns:a16="http://schemas.microsoft.com/office/drawing/2014/main" id="{B7476FBF-6CE3-BDC8-1B2F-391A60F97FCA}"/>
               </a:ext>
             </a:extLst>
           </p:cNvPr>
@@ -1434,7 +1434,7 @@
           <p:cNvPr id="7" name="灯片编号占位符 6">
             <a:extLst>
               <a:ext uri="{FF2B5EF4-FFF2-40B4-BE49-F238E27FC236}">
-                <a16:creationId xmlns:a16="http://schemas.microsoft.com/office/drawing/2014/main" id="{A13D7B6A-A513-6A05-8EED-2085F57EC620}"/>
+                <a16:creationId xmlns:a16="http://schemas.microsoft.com/office/drawing/2014/main" id="{B23116D8-1E0B-2EBE-9DC0-93AF39B6316F}"/>
               </a:ext>
             </a:extLst>
           </p:cNvPr>
@@ -1450,7 +1450,7 @@
           <a:bodyPr/>
           <a:lstStyle/>
           <a:p>
-            <a:fld id="{76903D96-778B-48C7-82E3-668EDC825363}" type="slidenum">
+            <a:fld id="{AB9EA58D-73E0-4488-9C82-0909F38A49D8}" type="slidenum">
               <a:rPr lang="zh-CN" altLang="en-US" smtClean="0"/>
               <a:t>‹#›</a:t>
             </a:fld>
@@ -1461,7 +1461,7 @@
     </p:spTree>
     <p:extLst>
       <p:ext uri="{BB962C8B-B14F-4D97-AF65-F5344CB8AC3E}">
-        <p14:creationId xmlns:p14="http://schemas.microsoft.com/office/powerpoint/2010/main" val="3683195438"/>
+        <p14:creationId xmlns:p14="http://schemas.microsoft.com/office/powerpoint/2010/main" val="1778374556"/>
       </p:ext>
     </p:extLst>
   </p:cSld>
@@ -1493,7 +1493,7 @@
           <p:cNvPr id="2" name="标题 1">
             <a:extLst>
               <a:ext uri="{FF2B5EF4-FFF2-40B4-BE49-F238E27FC236}">
-                <a16:creationId xmlns:a16="http://schemas.microsoft.com/office/drawing/2014/main" id="{EC735F21-2C27-E644-9589-7AE120D5DCF1}"/>
+                <a16:creationId xmlns:a16="http://schemas.microsoft.com/office/drawing/2014/main" id="{32D53C4B-DBA3-83DD-44E6-5DCF5CCEC5C5}"/>
               </a:ext>
             </a:extLst>
           </p:cNvPr>
@@ -1526,7 +1526,7 @@
           <p:cNvPr id="3" name="文本占位符 2">
             <a:extLst>
               <a:ext uri="{FF2B5EF4-FFF2-40B4-BE49-F238E27FC236}">
-                <a16:creationId xmlns:a16="http://schemas.microsoft.com/office/drawing/2014/main" id="{A51416CA-66D9-D791-888C-033776F9C6BF}"/>
+                <a16:creationId xmlns:a16="http://schemas.microsoft.com/office/drawing/2014/main" id="{C4E6888C-1087-2FA9-FE9B-45F3F96B88A4}"/>
               </a:ext>
             </a:extLst>
           </p:cNvPr>
@@ -1597,7 +1597,7 @@
           <p:cNvPr id="4" name="内容占位符 3">
             <a:extLst>
               <a:ext uri="{FF2B5EF4-FFF2-40B4-BE49-F238E27FC236}">
-                <a16:creationId xmlns:a16="http://schemas.microsoft.com/office/drawing/2014/main" id="{4798D211-7BED-6271-D908-FEFCA54DA846}"/>
+                <a16:creationId xmlns:a16="http://schemas.microsoft.com/office/drawing/2014/main" id="{E37FC30E-2D95-FCFC-281A-9ABC2CF4B99A}"/>
               </a:ext>
             </a:extLst>
           </p:cNvPr>
@@ -1659,7 +1659,7 @@
           <p:cNvPr id="5" name="文本占位符 4">
             <a:extLst>
               <a:ext uri="{FF2B5EF4-FFF2-40B4-BE49-F238E27FC236}">
-                <a16:creationId xmlns:a16="http://schemas.microsoft.com/office/drawing/2014/main" id="{009D332C-F700-1F3D-E597-55AAD9D60685}"/>
+                <a16:creationId xmlns:a16="http://schemas.microsoft.com/office/drawing/2014/main" id="{582F373E-EF3C-97CC-F143-C34441785F6A}"/>
               </a:ext>
             </a:extLst>
           </p:cNvPr>
@@ -1730,7 +1730,7 @@
           <p:cNvPr id="6" name="内容占位符 5">
             <a:extLst>
               <a:ext uri="{FF2B5EF4-FFF2-40B4-BE49-F238E27FC236}">
-                <a16:creationId xmlns:a16="http://schemas.microsoft.com/office/drawing/2014/main" id="{98A9A379-EE30-6BC6-58FF-1276E19EDE9A}"/>
+                <a16:creationId xmlns:a16="http://schemas.microsoft.com/office/drawing/2014/main" id="{59B40691-08AD-1593-AF5B-3B79473A92DD}"/>
               </a:ext>
             </a:extLst>
           </p:cNvPr>
@@ -1792,7 +1792,7 @@
           <p:cNvPr id="7" name="日期占位符 6">
             <a:extLst>
               <a:ext uri="{FF2B5EF4-FFF2-40B4-BE49-F238E27FC236}">
-                <a16:creationId xmlns:a16="http://schemas.microsoft.com/office/drawing/2014/main" id="{46C09E3E-6811-0E3C-1041-5ED809CEEC3C}"/>
+                <a16:creationId xmlns:a16="http://schemas.microsoft.com/office/drawing/2014/main" id="{DE6AF74B-1768-BC25-DFF1-4F2809DA8768}"/>
               </a:ext>
             </a:extLst>
           </p:cNvPr>
@@ -1808,7 +1808,7 @@
           <a:bodyPr/>
           <a:lstStyle/>
           <a:p>
-            <a:fld id="{75310CB0-4F08-49FC-9EFA-85D1D75917F6}" type="datetimeFigureOut">
+            <a:fld id="{2CA7671F-2BAE-4D44-A692-071858C457CA}" type="datetimeFigureOut">
               <a:rPr lang="zh-CN" altLang="en-US" smtClean="0"/>
               <a:t>2024/3/10</a:t>
             </a:fld>
@@ -1821,7 +1821,7 @@
           <p:cNvPr id="8" name="页脚占位符 7">
             <a:extLst>
               <a:ext uri="{FF2B5EF4-FFF2-40B4-BE49-F238E27FC236}">
-                <a16:creationId xmlns:a16="http://schemas.microsoft.com/office/drawing/2014/main" id="{69EC8D58-BAD8-232B-736E-273816E55BFC}"/>
+                <a16:creationId xmlns:a16="http://schemas.microsoft.com/office/drawing/2014/main" id="{E6F2CAF7-5494-9093-1FAA-C9ECBE2E98E4}"/>
               </a:ext>
             </a:extLst>
           </p:cNvPr>
@@ -1846,7 +1846,7 @@
           <p:cNvPr id="9" name="灯片编号占位符 8">
             <a:extLst>
               <a:ext uri="{FF2B5EF4-FFF2-40B4-BE49-F238E27FC236}">
-                <a16:creationId xmlns:a16="http://schemas.microsoft.com/office/drawing/2014/main" id="{F3FBB818-8828-AEE6-1C1E-B67056261C52}"/>
+                <a16:creationId xmlns:a16="http://schemas.microsoft.com/office/drawing/2014/main" id="{27A3F4CC-CA18-E21D-CB14-71A6F01EC6E5}"/>
               </a:ext>
             </a:extLst>
           </p:cNvPr>
@@ -1862,7 +1862,7 @@
           <a:bodyPr/>
           <a:lstStyle/>
           <a:p>
-            <a:fld id="{76903D96-778B-48C7-82E3-668EDC825363}" type="slidenum">
+            <a:fld id="{AB9EA58D-73E0-4488-9C82-0909F38A49D8}" type="slidenum">
               <a:rPr lang="zh-CN" altLang="en-US" smtClean="0"/>
               <a:t>‹#›</a:t>
             </a:fld>
@@ -1873,7 +1873,7 @@
     </p:spTree>
     <p:extLst>
       <p:ext uri="{BB962C8B-B14F-4D97-AF65-F5344CB8AC3E}">
-        <p14:creationId xmlns:p14="http://schemas.microsoft.com/office/powerpoint/2010/main" val="3777229037"/>
+        <p14:creationId xmlns:p14="http://schemas.microsoft.com/office/powerpoint/2010/main" val="4178579499"/>
       </p:ext>
     </p:extLst>
   </p:cSld>
@@ -1905,7 +1905,7 @@
           <p:cNvPr id="2" name="标题 1">
             <a:extLst>
               <a:ext uri="{FF2B5EF4-FFF2-40B4-BE49-F238E27FC236}">
-                <a16:creationId xmlns:a16="http://schemas.microsoft.com/office/drawing/2014/main" id="{3A31BDDA-1113-204A-8A3A-60202AC75FCF}"/>
+                <a16:creationId xmlns:a16="http://schemas.microsoft.com/office/drawing/2014/main" id="{0FC0075B-089C-358F-CAA6-4EA729202F3F}"/>
               </a:ext>
             </a:extLst>
           </p:cNvPr>
@@ -1933,7 +1933,7 @@
           <p:cNvPr id="3" name="日期占位符 2">
             <a:extLst>
               <a:ext uri="{FF2B5EF4-FFF2-40B4-BE49-F238E27FC236}">
-                <a16:creationId xmlns:a16="http://schemas.microsoft.com/office/drawing/2014/main" id="{B87DA386-4710-3078-D165-87D4106C095E}"/>
+                <a16:creationId xmlns:a16="http://schemas.microsoft.com/office/drawing/2014/main" id="{227A96ED-271A-820C-443F-46928AB2AB80}"/>
               </a:ext>
             </a:extLst>
           </p:cNvPr>
@@ -1949,7 +1949,7 @@
           <a:bodyPr/>
           <a:lstStyle/>
           <a:p>
-            <a:fld id="{75310CB0-4F08-49FC-9EFA-85D1D75917F6}" type="datetimeFigureOut">
+            <a:fld id="{2CA7671F-2BAE-4D44-A692-071858C457CA}" type="datetimeFigureOut">
               <a:rPr lang="zh-CN" altLang="en-US" smtClean="0"/>
               <a:t>2024/3/10</a:t>
             </a:fld>
@@ -1962,7 +1962,7 @@
           <p:cNvPr id="4" name="页脚占位符 3">
             <a:extLst>
               <a:ext uri="{FF2B5EF4-FFF2-40B4-BE49-F238E27FC236}">
-                <a16:creationId xmlns:a16="http://schemas.microsoft.com/office/drawing/2014/main" id="{4ADF7B47-7FDC-F325-3F4F-D8480522BEB9}"/>
+                <a16:creationId xmlns:a16="http://schemas.microsoft.com/office/drawing/2014/main" id="{84330919-3A9E-A0F3-A56A-C112E30F369D}"/>
               </a:ext>
             </a:extLst>
           </p:cNvPr>
@@ -1987,7 +1987,7 @@
           <p:cNvPr id="5" name="灯片编号占位符 4">
             <a:extLst>
               <a:ext uri="{FF2B5EF4-FFF2-40B4-BE49-F238E27FC236}">
-                <a16:creationId xmlns:a16="http://schemas.microsoft.com/office/drawing/2014/main" id="{E377473D-55E5-2C8C-5760-B4DA1D3053F9}"/>
+                <a16:creationId xmlns:a16="http://schemas.microsoft.com/office/drawing/2014/main" id="{9A1E6687-ACA2-2B12-B49A-1F7B862BB168}"/>
               </a:ext>
             </a:extLst>
           </p:cNvPr>
@@ -2003,7 +2003,7 @@
           <a:bodyPr/>
           <a:lstStyle/>
           <a:p>
-            <a:fld id="{76903D96-778B-48C7-82E3-668EDC825363}" type="slidenum">
+            <a:fld id="{AB9EA58D-73E0-4488-9C82-0909F38A49D8}" type="slidenum">
               <a:rPr lang="zh-CN" altLang="en-US" smtClean="0"/>
               <a:t>‹#›</a:t>
             </a:fld>
@@ -2014,7 +2014,7 @@
     </p:spTree>
     <p:extLst>
       <p:ext uri="{BB962C8B-B14F-4D97-AF65-F5344CB8AC3E}">
-        <p14:creationId xmlns:p14="http://schemas.microsoft.com/office/powerpoint/2010/main" val="2280495521"/>
+        <p14:creationId xmlns:p14="http://schemas.microsoft.com/office/powerpoint/2010/main" val="3664490787"/>
       </p:ext>
     </p:extLst>
   </p:cSld>
@@ -2046,7 +2046,7 @@
           <p:cNvPr id="2" name="日期占位符 1">
             <a:extLst>
               <a:ext uri="{FF2B5EF4-FFF2-40B4-BE49-F238E27FC236}">
-                <a16:creationId xmlns:a16="http://schemas.microsoft.com/office/drawing/2014/main" id="{CC6ADD8B-917F-F871-6190-FF4BB13ED6B4}"/>
+                <a16:creationId xmlns:a16="http://schemas.microsoft.com/office/drawing/2014/main" id="{55E16BA6-E302-5F00-34B9-3BA0790C5A02}"/>
               </a:ext>
             </a:extLst>
           </p:cNvPr>
@@ -2062,7 +2062,7 @@
           <a:bodyPr/>
           <a:lstStyle/>
           <a:p>
-            <a:fld id="{75310CB0-4F08-49FC-9EFA-85D1D75917F6}" type="datetimeFigureOut">
+            <a:fld id="{2CA7671F-2BAE-4D44-A692-071858C457CA}" type="datetimeFigureOut">
               <a:rPr lang="zh-CN" altLang="en-US" smtClean="0"/>
               <a:t>2024/3/10</a:t>
             </a:fld>
@@ -2075,7 +2075,7 @@
           <p:cNvPr id="3" name="页脚占位符 2">
             <a:extLst>
               <a:ext uri="{FF2B5EF4-FFF2-40B4-BE49-F238E27FC236}">
-                <a16:creationId xmlns:a16="http://schemas.microsoft.com/office/drawing/2014/main" id="{E96B33EA-6052-E584-1B80-416E693B669C}"/>
+                <a16:creationId xmlns:a16="http://schemas.microsoft.com/office/drawing/2014/main" id="{B18B08B6-AE93-F770-5267-149F5E302B2A}"/>
               </a:ext>
             </a:extLst>
           </p:cNvPr>
@@ -2100,7 +2100,7 @@
           <p:cNvPr id="4" name="灯片编号占位符 3">
             <a:extLst>
               <a:ext uri="{FF2B5EF4-FFF2-40B4-BE49-F238E27FC236}">
-                <a16:creationId xmlns:a16="http://schemas.microsoft.com/office/drawing/2014/main" id="{837C0E35-2502-D115-FB98-5F008C8D221D}"/>
+                <a16:creationId xmlns:a16="http://schemas.microsoft.com/office/drawing/2014/main" id="{71FA6488-DDDD-E65D-A54E-8E2D06314EF8}"/>
               </a:ext>
             </a:extLst>
           </p:cNvPr>
@@ -2116,7 +2116,7 @@
           <a:bodyPr/>
           <a:lstStyle/>
           <a:p>
-            <a:fld id="{76903D96-778B-48C7-82E3-668EDC825363}" type="slidenum">
+            <a:fld id="{AB9EA58D-73E0-4488-9C82-0909F38A49D8}" type="slidenum">
               <a:rPr lang="zh-CN" altLang="en-US" smtClean="0"/>
               <a:t>‹#›</a:t>
             </a:fld>
@@ -2127,7 +2127,7 @@
     </p:spTree>
     <p:extLst>
       <p:ext uri="{BB962C8B-B14F-4D97-AF65-F5344CB8AC3E}">
-        <p14:creationId xmlns:p14="http://schemas.microsoft.com/office/powerpoint/2010/main" val="3542126470"/>
+        <p14:creationId xmlns:p14="http://schemas.microsoft.com/office/powerpoint/2010/main" val="517709631"/>
       </p:ext>
     </p:extLst>
   </p:cSld>
@@ -2159,7 +2159,7 @@
           <p:cNvPr id="2" name="标题 1">
             <a:extLst>
               <a:ext uri="{FF2B5EF4-FFF2-40B4-BE49-F238E27FC236}">
-                <a16:creationId xmlns:a16="http://schemas.microsoft.com/office/drawing/2014/main" id="{CE8D9607-0CF7-C49B-BD2A-C70E645E29F1}"/>
+                <a16:creationId xmlns:a16="http://schemas.microsoft.com/office/drawing/2014/main" id="{DEAEE708-9E36-9399-CE21-A287475FC7C8}"/>
               </a:ext>
             </a:extLst>
           </p:cNvPr>
@@ -2196,7 +2196,7 @@
           <p:cNvPr id="3" name="内容占位符 2">
             <a:extLst>
               <a:ext uri="{FF2B5EF4-FFF2-40B4-BE49-F238E27FC236}">
-                <a16:creationId xmlns:a16="http://schemas.microsoft.com/office/drawing/2014/main" id="{2CD890C8-8308-DA84-B15D-492F3A3A0DD8}"/>
+                <a16:creationId xmlns:a16="http://schemas.microsoft.com/office/drawing/2014/main" id="{0F960452-08F9-AEED-688B-9BA64474638C}"/>
               </a:ext>
             </a:extLst>
           </p:cNvPr>
@@ -2286,7 +2286,7 @@
           <p:cNvPr id="4" name="文本占位符 3">
             <a:extLst>
               <a:ext uri="{FF2B5EF4-FFF2-40B4-BE49-F238E27FC236}">
-                <a16:creationId xmlns:a16="http://schemas.microsoft.com/office/drawing/2014/main" id="{18DF8AFD-FCC8-2041-63FA-1D83533F2BD3}"/>
+                <a16:creationId xmlns:a16="http://schemas.microsoft.com/office/drawing/2014/main" id="{6E21B45E-15D4-F3F2-ED67-A5CE8EB8B757}"/>
               </a:ext>
             </a:extLst>
           </p:cNvPr>
@@ -2357,7 +2357,7 @@
           <p:cNvPr id="5" name="日期占位符 4">
             <a:extLst>
               <a:ext uri="{FF2B5EF4-FFF2-40B4-BE49-F238E27FC236}">
-                <a16:creationId xmlns:a16="http://schemas.microsoft.com/office/drawing/2014/main" id="{96A54EFD-E9C1-087B-3ED0-A4BFCCEE8712}"/>
+                <a16:creationId xmlns:a16="http://schemas.microsoft.com/office/drawing/2014/main" id="{C46490AF-DB78-9550-8A7E-CB6F510D6C8B}"/>
               </a:ext>
             </a:extLst>
           </p:cNvPr>
@@ -2373,7 +2373,7 @@
           <a:bodyPr/>
           <a:lstStyle/>
           <a:p>
-            <a:fld id="{75310CB0-4F08-49FC-9EFA-85D1D75917F6}" type="datetimeFigureOut">
+            <a:fld id="{2CA7671F-2BAE-4D44-A692-071858C457CA}" type="datetimeFigureOut">
               <a:rPr lang="zh-CN" altLang="en-US" smtClean="0"/>
               <a:t>2024/3/10</a:t>
             </a:fld>
@@ -2386,7 +2386,7 @@
           <p:cNvPr id="6" name="页脚占位符 5">
             <a:extLst>
               <a:ext uri="{FF2B5EF4-FFF2-40B4-BE49-F238E27FC236}">
-                <a16:creationId xmlns:a16="http://schemas.microsoft.com/office/drawing/2014/main" id="{7E0F66AE-1E9E-0607-7BA9-96B1335A10D8}"/>
+                <a16:creationId xmlns:a16="http://schemas.microsoft.com/office/drawing/2014/main" id="{C5F7C68F-B028-87F6-3EE6-7C25882FCFFE}"/>
               </a:ext>
             </a:extLst>
           </p:cNvPr>
@@ -2411,7 +2411,7 @@
           <p:cNvPr id="7" name="灯片编号占位符 6">
             <a:extLst>
               <a:ext uri="{FF2B5EF4-FFF2-40B4-BE49-F238E27FC236}">
-                <a16:creationId xmlns:a16="http://schemas.microsoft.com/office/drawing/2014/main" id="{48D6536F-2B99-C4E2-03E0-14D4321173CF}"/>
+                <a16:creationId xmlns:a16="http://schemas.microsoft.com/office/drawing/2014/main" id="{F25D985E-0B2C-C724-FC29-1E4697AE2FFE}"/>
               </a:ext>
             </a:extLst>
           </p:cNvPr>
@@ -2427,7 +2427,7 @@
           <a:bodyPr/>
           <a:lstStyle/>
           <a:p>
-            <a:fld id="{76903D96-778B-48C7-82E3-668EDC825363}" type="slidenum">
+            <a:fld id="{AB9EA58D-73E0-4488-9C82-0909F38A49D8}" type="slidenum">
               <a:rPr lang="zh-CN" altLang="en-US" smtClean="0"/>
               <a:t>‹#›</a:t>
             </a:fld>
@@ -2438,7 +2438,7 @@
     </p:spTree>
     <p:extLst>
       <p:ext uri="{BB962C8B-B14F-4D97-AF65-F5344CB8AC3E}">
-        <p14:creationId xmlns:p14="http://schemas.microsoft.com/office/powerpoint/2010/main" val="627494283"/>
+        <p14:creationId xmlns:p14="http://schemas.microsoft.com/office/powerpoint/2010/main" val="1735558039"/>
       </p:ext>
     </p:extLst>
   </p:cSld>
@@ -2470,7 +2470,7 @@
           <p:cNvPr id="2" name="标题 1">
             <a:extLst>
               <a:ext uri="{FF2B5EF4-FFF2-40B4-BE49-F238E27FC236}">
-                <a16:creationId xmlns:a16="http://schemas.microsoft.com/office/drawing/2014/main" id="{4EBE80A7-F291-DA44-4268-A33BD6C444FA}"/>
+                <a16:creationId xmlns:a16="http://schemas.microsoft.com/office/drawing/2014/main" id="{1B418A83-F972-516A-9EC7-EC6472CC6F86}"/>
               </a:ext>
             </a:extLst>
           </p:cNvPr>
@@ -2507,7 +2507,7 @@
           <p:cNvPr id="3" name="图片占位符 2">
             <a:extLst>
               <a:ext uri="{FF2B5EF4-FFF2-40B4-BE49-F238E27FC236}">
-                <a16:creationId xmlns:a16="http://schemas.microsoft.com/office/drawing/2014/main" id="{EB99C51D-7714-BA25-95C5-C5FAE49D0A37}"/>
+                <a16:creationId xmlns:a16="http://schemas.microsoft.com/office/drawing/2014/main" id="{FB04B2D1-89BC-2051-A00D-E1083F7C0F9A}"/>
               </a:ext>
             </a:extLst>
           </p:cNvPr>
@@ -2574,7 +2574,7 @@
           <p:cNvPr id="4" name="文本占位符 3">
             <a:extLst>
               <a:ext uri="{FF2B5EF4-FFF2-40B4-BE49-F238E27FC236}">
-                <a16:creationId xmlns:a16="http://schemas.microsoft.com/office/drawing/2014/main" id="{D34AB7C4-F1B8-75CA-1A18-67F9A647F95D}"/>
+                <a16:creationId xmlns:a16="http://schemas.microsoft.com/office/drawing/2014/main" id="{98862F56-1472-14B2-ADED-8D2EA78295A7}"/>
               </a:ext>
             </a:extLst>
           </p:cNvPr>
@@ -2645,7 +2645,7 @@
           <p:cNvPr id="5" name="日期占位符 4">
             <a:extLst>
               <a:ext uri="{FF2B5EF4-FFF2-40B4-BE49-F238E27FC236}">
-                <a16:creationId xmlns:a16="http://schemas.microsoft.com/office/drawing/2014/main" id="{ED318B33-EAE3-2841-C14A-D71033F22A26}"/>
+                <a16:creationId xmlns:a16="http://schemas.microsoft.com/office/drawing/2014/main" id="{249871E4-77BF-918B-80B0-82D80C7DE8AE}"/>
               </a:ext>
             </a:extLst>
           </p:cNvPr>
@@ -2661,7 +2661,7 @@
           <a:bodyPr/>
           <a:lstStyle/>
           <a:p>
-            <a:fld id="{75310CB0-4F08-49FC-9EFA-85D1D75917F6}" type="datetimeFigureOut">
+            <a:fld id="{2CA7671F-2BAE-4D44-A692-071858C457CA}" type="datetimeFigureOut">
               <a:rPr lang="zh-CN" altLang="en-US" smtClean="0"/>
               <a:t>2024/3/10</a:t>
             </a:fld>
@@ -2674,7 +2674,7 @@
           <p:cNvPr id="6" name="页脚占位符 5">
             <a:extLst>
               <a:ext uri="{FF2B5EF4-FFF2-40B4-BE49-F238E27FC236}">
-                <a16:creationId xmlns:a16="http://schemas.microsoft.com/office/drawing/2014/main" id="{EE407F77-504F-16DC-3DC8-823E2805714B}"/>
+                <a16:creationId xmlns:a16="http://schemas.microsoft.com/office/drawing/2014/main" id="{70865B4A-2AC0-9079-4B7B-4E421AF5C803}"/>
               </a:ext>
             </a:extLst>
           </p:cNvPr>
@@ -2699,7 +2699,7 @@
           <p:cNvPr id="7" name="灯片编号占位符 6">
             <a:extLst>
               <a:ext uri="{FF2B5EF4-FFF2-40B4-BE49-F238E27FC236}">
-                <a16:creationId xmlns:a16="http://schemas.microsoft.com/office/drawing/2014/main" id="{27F17ECC-7818-CFAC-3C12-85082EBCAF7A}"/>
+                <a16:creationId xmlns:a16="http://schemas.microsoft.com/office/drawing/2014/main" id="{366F0F7E-3183-C7AC-39DA-B1DEAC6ADA69}"/>
               </a:ext>
             </a:extLst>
           </p:cNvPr>
@@ -2715,7 +2715,7 @@
           <a:bodyPr/>
           <a:lstStyle/>
           <a:p>
-            <a:fld id="{76903D96-778B-48C7-82E3-668EDC825363}" type="slidenum">
+            <a:fld id="{AB9EA58D-73E0-4488-9C82-0909F38A49D8}" type="slidenum">
               <a:rPr lang="zh-CN" altLang="en-US" smtClean="0"/>
               <a:t>‹#›</a:t>
             </a:fld>
@@ -2726,7 +2726,7 @@
     </p:spTree>
     <p:extLst>
       <p:ext uri="{BB962C8B-B14F-4D97-AF65-F5344CB8AC3E}">
-        <p14:creationId xmlns:p14="http://schemas.microsoft.com/office/powerpoint/2010/main" val="4266964838"/>
+        <p14:creationId xmlns:p14="http://schemas.microsoft.com/office/powerpoint/2010/main" val="3100896788"/>
       </p:ext>
     </p:extLst>
   </p:cSld>
@@ -2763,7 +2763,7 @@
           <p:cNvPr id="2" name="标题占位符 1">
             <a:extLst>
               <a:ext uri="{FF2B5EF4-FFF2-40B4-BE49-F238E27FC236}">
-                <a16:creationId xmlns:a16="http://schemas.microsoft.com/office/drawing/2014/main" id="{01278CD3-A24A-DDA6-FA8D-4D4FFFE77BD8}"/>
+                <a16:creationId xmlns:a16="http://schemas.microsoft.com/office/drawing/2014/main" id="{7D67F289-3634-E91A-F116-D88A6DFB674E}"/>
               </a:ext>
             </a:extLst>
           </p:cNvPr>
@@ -2801,7 +2801,7 @@
           <p:cNvPr id="3" name="文本占位符 2">
             <a:extLst>
               <a:ext uri="{FF2B5EF4-FFF2-40B4-BE49-F238E27FC236}">
-                <a16:creationId xmlns:a16="http://schemas.microsoft.com/office/drawing/2014/main" id="{A2D5A44E-5795-E5AA-624B-B8F023A45455}"/>
+                <a16:creationId xmlns:a16="http://schemas.microsoft.com/office/drawing/2014/main" id="{6192C5A9-5F6E-4349-4945-51892049F69E}"/>
               </a:ext>
             </a:extLst>
           </p:cNvPr>
@@ -2868,7 +2868,7 @@
           <p:cNvPr id="4" name="日期占位符 3">
             <a:extLst>
               <a:ext uri="{FF2B5EF4-FFF2-40B4-BE49-F238E27FC236}">
-                <a16:creationId xmlns:a16="http://schemas.microsoft.com/office/drawing/2014/main" id="{E18536ED-79F8-CC36-1901-0370F54B12A1}"/>
+                <a16:creationId xmlns:a16="http://schemas.microsoft.com/office/drawing/2014/main" id="{6CBE3B6D-CF7D-416D-379F-3FA922335FA5}"/>
               </a:ext>
             </a:extLst>
           </p:cNvPr>
@@ -2902,7 +2902,7 @@
             </a:lvl1pPr>
           </a:lstStyle>
           <a:p>
-            <a:fld id="{75310CB0-4F08-49FC-9EFA-85D1D75917F6}" type="datetimeFigureOut">
+            <a:fld id="{2CA7671F-2BAE-4D44-A692-071858C457CA}" type="datetimeFigureOut">
               <a:rPr lang="zh-CN" altLang="en-US" smtClean="0"/>
               <a:t>2024/3/10</a:t>
             </a:fld>
@@ -2915,7 +2915,7 @@
           <p:cNvPr id="5" name="页脚占位符 4">
             <a:extLst>
               <a:ext uri="{FF2B5EF4-FFF2-40B4-BE49-F238E27FC236}">
-                <a16:creationId xmlns:a16="http://schemas.microsoft.com/office/drawing/2014/main" id="{4416DADB-E557-A96D-13E5-CC287E6A98FB}"/>
+                <a16:creationId xmlns:a16="http://schemas.microsoft.com/office/drawing/2014/main" id="{1BAC12B3-D9C0-47E1-5381-98689B5EEEBC}"/>
               </a:ext>
             </a:extLst>
           </p:cNvPr>
@@ -2958,7 +2958,7 @@
           <p:cNvPr id="6" name="灯片编号占位符 5">
             <a:extLst>
               <a:ext uri="{FF2B5EF4-FFF2-40B4-BE49-F238E27FC236}">
-                <a16:creationId xmlns:a16="http://schemas.microsoft.com/office/drawing/2014/main" id="{E356C561-0CE1-8804-A686-06773EB2B2AA}"/>
+                <a16:creationId xmlns:a16="http://schemas.microsoft.com/office/drawing/2014/main" id="{B8090D38-8F38-8C40-642E-86E65E071930}"/>
               </a:ext>
             </a:extLst>
           </p:cNvPr>
@@ -2992,7 +2992,7 @@
             </a:lvl1pPr>
           </a:lstStyle>
           <a:p>
-            <a:fld id="{76903D96-778B-48C7-82E3-668EDC825363}" type="slidenum">
+            <a:fld id="{AB9EA58D-73E0-4488-9C82-0909F38A49D8}" type="slidenum">
               <a:rPr lang="zh-CN" altLang="en-US" smtClean="0"/>
               <a:t>‹#›</a:t>
             </a:fld>
@@ -3003,7 +3003,7 @@
     </p:spTree>
     <p:extLst>
       <p:ext uri="{BB962C8B-B14F-4D97-AF65-F5344CB8AC3E}">
-        <p14:creationId xmlns:p14="http://schemas.microsoft.com/office/powerpoint/2010/main" val="1462881927"/>
+        <p14:creationId xmlns:p14="http://schemas.microsoft.com/office/powerpoint/2010/main" val="4161414351"/>
       </p:ext>
     </p:extLst>
   </p:cSld>
